--- a/PSGraphPresentation.pptx
+++ b/PSGraphPresentation.pptx
@@ -249,7 +249,7 @@
           <a:p>
             <a:fld id="{B68C8EF0-277E-4A1A-B62C-6E490FE608D5}" type="datetimeFigureOut">
               <a:rPr lang="en-US" smtClean="0"/>
-              <a:t>4/23/2019</a:t>
+              <a:t>4/28/2019</a:t>
             </a:fld>
             <a:endParaRPr lang="en-US"/>
           </a:p>
@@ -898,7 +898,7 @@
           <a:p>
             <a:fld id="{578FD856-A495-47B8-817B-8CBF03FDE7FA}" type="datetime1">
               <a:rPr lang="en-US" smtClean="0"/>
-              <a:t>4/23/2019</a:t>
+              <a:t>4/28/2019</a:t>
             </a:fld>
             <a:endParaRPr lang="en-US" dirty="0"/>
           </a:p>
@@ -1288,7 +1288,7 @@
         <p:spPr>
           <a:xfrm>
             <a:off x="644770" y="1373960"/>
-            <a:ext cx="9944853" cy="461665"/>
+            <a:ext cx="10594037" cy="830997"/>
           </a:xfrm>
           <a:prstGeom prst="rect">
             <a:avLst/>
@@ -1304,6 +1304,28 @@
             <a:r>
               <a:rPr lang="en-US" sz="2400" b="0" dirty="0"/>
               <a:t>Please use the event app to submit a session rating!		bit.ly/summit2019app</a:t>
+            </a:r>
+          </a:p>
+          <a:p>
+            <a:r>
+              <a:rPr lang="en-US" sz="2400" b="0" dirty="0"/>
+              <a:t>Send me your feedback on this session @</a:t>
+            </a:r>
+            <a:r>
+              <a:rPr lang="en-US" sz="2400" b="0" dirty="0" err="1"/>
+              <a:t>KevinMarquette</a:t>
+            </a:r>
+            <a:r>
+              <a:rPr lang="en-US" sz="2400" b="0" dirty="0"/>
+              <a:t> #</a:t>
+            </a:r>
+            <a:r>
+              <a:rPr lang="en-US" sz="2400" b="0" dirty="0" err="1"/>
+              <a:t>PSHSummit</a:t>
+            </a:r>
+            <a:r>
+              <a:rPr lang="en-US" sz="2400" b="0" dirty="0"/>
+              <a:t> #Modules</a:t>
             </a:r>
           </a:p>
         </p:txBody>
@@ -1541,7 +1563,7 @@
           <a:p>
             <a:fld id="{59FD2237-3B84-4AC3-A613-A17944D67163}" type="datetime1">
               <a:rPr lang="en-US" smtClean="0"/>
-              <a:t>4/23/2019</a:t>
+              <a:t>4/28/2019</a:t>
             </a:fld>
             <a:endParaRPr lang="en-US" dirty="0"/>
           </a:p>
@@ -1801,7 +1823,7 @@
           <a:p>
             <a:fld id="{4D37F4DE-4CD9-47A3-BAF0-2F3F37405E48}" type="datetime1">
               <a:rPr lang="en-US" smtClean="0"/>
-              <a:t>4/23/2019</a:t>
+              <a:t>4/28/2019</a:t>
             </a:fld>
             <a:endParaRPr lang="en-US" dirty="0"/>
           </a:p>
@@ -2075,7 +2097,7 @@
           <a:p>
             <a:fld id="{B25FD3DA-12F3-4700-8C2B-A5B82CCD9FDF}" type="datetime1">
               <a:rPr lang="en-US" smtClean="0"/>
-              <a:t>4/23/2019</a:t>
+              <a:t>4/28/2019</a:t>
             </a:fld>
             <a:endParaRPr lang="en-US" dirty="0"/>
           </a:p>
@@ -2454,7 +2476,7 @@
           <a:p>
             <a:fld id="{360CF3C9-2460-49F4-AB70-CE6F6904F4A2}" type="datetime1">
               <a:rPr lang="en-US" smtClean="0"/>
-              <a:t>4/23/2019</a:t>
+              <a:t>4/28/2019</a:t>
             </a:fld>
             <a:endParaRPr lang="en-US" dirty="0"/>
           </a:p>
@@ -2586,7 +2608,7 @@
           <a:p>
             <a:fld id="{FE514856-59E5-4A76-8B7F-91DF0A5F9175}" type="datetime1">
               <a:rPr lang="en-US" smtClean="0"/>
-              <a:t>4/23/2019</a:t>
+              <a:t>4/28/2019</a:t>
             </a:fld>
             <a:endParaRPr lang="en-US" dirty="0"/>
           </a:p>
@@ -2696,7 +2718,7 @@
           <a:p>
             <a:fld id="{75077983-9B06-4C15-9A3D-B83C2053871F}" type="datetime1">
               <a:rPr lang="en-US" smtClean="0"/>
-              <a:t>4/23/2019</a:t>
+              <a:t>4/28/2019</a:t>
             </a:fld>
             <a:endParaRPr lang="en-US" dirty="0"/>
           </a:p>
@@ -2986,7 +3008,7 @@
           <a:p>
             <a:fld id="{C13D6E94-07BA-4493-8472-4171109EB88D}" type="datetime1">
               <a:rPr lang="en-US" smtClean="0"/>
-              <a:t>4/23/2019</a:t>
+              <a:t>4/28/2019</a:t>
             </a:fld>
             <a:endParaRPr lang="en-US" dirty="0"/>
           </a:p>
@@ -3253,7 +3275,7 @@
           <a:p>
             <a:fld id="{DEBAA425-7962-477B-B9B1-DD65387D6F76}" type="datetime1">
               <a:rPr lang="en-US" smtClean="0"/>
-              <a:t>4/23/2019</a:t>
+              <a:t>4/28/2019</a:t>
             </a:fld>
             <a:endParaRPr lang="en-US" dirty="0"/>
           </a:p>
@@ -3479,7 +3501,7 @@
           <a:p>
             <a:fld id="{C0551E37-54FE-4ED1-AA63-3577663042E0}" type="datetime1">
               <a:rPr lang="en-US" smtClean="0"/>
-              <a:t>4/23/2019</a:t>
+              <a:t>4/28/2019</a:t>
             </a:fld>
             <a:endParaRPr lang="en-US" dirty="0"/>
           </a:p>
@@ -8625,7 +8647,7 @@
           <a:p>
             <a:r>
               <a:rPr lang="en-US" sz="3200" dirty="0"/>
-              <a:t>A DSL implemented as a PowerShell Module</a:t>
+              <a:t>A PowerShell Module implemented as a DSL</a:t>
             </a:r>
           </a:p>
           <a:p>
@@ -8754,8 +8776,12 @@
             <a:p>
               <a:pPr algn="ctr"/>
               <a:r>
+                <a:rPr lang="en-US" dirty="0" err="1"/>
+                <a:t>PSGraph</a:t>
+              </a:r>
+              <a:r>
                 <a:rPr lang="en-US" dirty="0"/>
-                <a:t>PowerShell</a:t>
+                <a:t> in PowerShell</a:t>
               </a:r>
             </a:p>
           </p:txBody>
@@ -10133,7 +10159,7 @@
               <a:rPr lang="en-US" dirty="0">
                 <a:hlinkClick r:id="rId5"/>
               </a:rPr>
-              <a:t> 1.2, The </a:t>
+              <a:t> 1.2: The </a:t>
             </a:r>
             <a:r>
               <a:rPr lang="en-US" dirty="0" err="1">
@@ -10160,7 +10186,7 @@
               <a:rPr lang="en-US" dirty="0">
                 <a:hlinkClick r:id="rId6"/>
               </a:rPr>
-              <a:t> 2.1 the record release</a:t>
+              <a:t> 2.1: the Record Release</a:t>
             </a:r>
             <a:endParaRPr lang="en-US" dirty="0"/>
           </a:p>
@@ -10258,7 +10284,7 @@
         </p:nvSpPr>
         <p:spPr>
           <a:xfrm>
-            <a:off x="2339112" y="1973152"/>
+            <a:off x="2339112" y="2298463"/>
             <a:ext cx="6096000" cy="1200329"/>
           </a:xfrm>
           <a:prstGeom prst="rect">
@@ -10326,7 +10352,7 @@
         </p:blipFill>
         <p:spPr>
           <a:xfrm>
-            <a:off x="796964" y="1973152"/>
+            <a:off x="796964" y="2298463"/>
             <a:ext cx="1365663" cy="1365663"/>
           </a:xfrm>
           <a:prstGeom prst="ellipse">
